--- a/Day 2/Day 2.pptx
+++ b/Day 2/Day 2.pptx
@@ -178,7 +178,7 @@
       </p14:sectionLst>
     </p:ext>
     <p:ext uri="{EFAFB233-063F-42B5-8137-9DF3F51BA10A}">
-      <p15:sldGuideLst xmlns="" xmlns:p15="http://schemas.microsoft.com/office/powerpoint/2012/main">
+      <p15:sldGuideLst xmlns:p15="http://schemas.microsoft.com/office/powerpoint/2012/main" xmlns="">
         <p15:guide id="1" orient="horz" pos="4579" userDrawn="1">
           <p15:clr>
             <a:srgbClr val="A4A3A4"/>
@@ -242,7 +242,7 @@
       </p15:sldGuideLst>
     </p:ext>
     <p:ext uri="{2D200454-40CA-4A62-9FC3-DE9A4176ACB9}">
-      <p15:notesGuideLst xmlns="" xmlns:p15="http://schemas.microsoft.com/office/powerpoint/2012/main">
+      <p15:notesGuideLst xmlns:p15="http://schemas.microsoft.com/office/powerpoint/2012/main" xmlns="">
         <p15:guide id="1" orient="horz" pos="2923">
           <p15:clr>
             <a:srgbClr val="A4A3A4"/>
@@ -256,7 +256,7 @@
       </p15:notesGuideLst>
     </p:ext>
     <p:ext uri="{50385BFA-195E-4E9F-9E8A-86900EEC6D5D}">
-      <p14:sectionPr xmlns="" xmlns:p14="http://schemas.microsoft.com/office/powerpoint/2007/7/12/main">
+      <p14:sectionPr xmlns:p14="http://schemas.microsoft.com/office/powerpoint/2007/7/12/main" xmlns="">
         <p14:section name="Default Section" slideIdLst="263 258" id="{F3A50AD0-1C96-4FFB-A588-4C2E07833EC5}"/>
         <p14:section name="Untitled Section" slideIdLst="259 260" id="{731A7D92-B090-44AE-BDF3-5EDBB7844CCD}"/>
         <p14:section name="Untitled Section" slideIdLst="261 262" id="{8A1131A8-562D-483F-B678-EACC5503E90B}"/>
@@ -18527,7 +18527,7 @@
         </p:nvSpPr>
         <p:spPr>
           <a:xfrm>
-            <a:off x="548098" y="5385816"/>
+            <a:off x="548098" y="5700522"/>
             <a:ext cx="6663229" cy="274320"/>
           </a:xfrm>
         </p:spPr>
@@ -18536,11 +18536,11 @@
           <a:lstStyle/>
           <a:p>
             <a:r>
-              <a:rPr lang="en-US" dirty="0" smtClean="0"/>
-              <a:t>TOC EUS </a:t>
-            </a:r>
-            <a:r>
-              <a:rPr lang="en-US" dirty="0" smtClean="0">
+              <a:rPr lang="en-US" smtClean="0"/>
+              <a:t>TOC </a:t>
+            </a:r>
+            <a:r>
+              <a:rPr lang="en-US" smtClean="0">
                 <a:solidFill>
                   <a:srgbClr val="FF0000"/>
                 </a:solidFill>
@@ -18580,7 +18580,17 @@
           <a:p>
             <a:r>
               <a:rPr lang="en-US" dirty="0" smtClean="0"/>
-              <a:t>Prathmesh Palande</a:t>
+              <a:t>Ashish Pimple</a:t>
+            </a:r>
+          </a:p>
+          <a:p>
+            <a:r>
+              <a:rPr lang="en-US" dirty="0" smtClean="0"/>
+              <a:t>Prathmesh </a:t>
+            </a:r>
+            <a:r>
+              <a:rPr lang="en-US" dirty="0" smtClean="0"/>
+              <a:t>Palande</a:t>
             </a:r>
           </a:p>
           <a:p>
@@ -21373,7 +21383,6 @@
               <a:rPr lang="en-US" dirty="0" smtClean="0"/>
               <a:t>Explicit Type Casting:</a:t>
             </a:r>
-            <a:endParaRPr lang="en-US" dirty="0" smtClean="0"/>
           </a:p>
           <a:p>
             <a:pPr lvl="1"/>
@@ -21392,7 +21401,6 @@
               <a:rPr lang="en-US" dirty="0" smtClean="0"/>
               <a:t>: String to Integer</a:t>
             </a:r>
-            <a:endParaRPr lang="en-US" dirty="0" smtClean="0"/>
           </a:p>
         </p:txBody>
       </p:sp>
@@ -32772,7 +32780,7 @@
   <a:extraClrSchemeLst/>
   <a:extLst>
     <a:ext uri="{05A4C25C-085E-4340-85A3-A5531E510DB2}">
-      <thm15:themeFamily xmlns="" xmlns:thm15="http://schemas.microsoft.com/office/thememl/2012/main" name="PresPrintOnScreen.potx" id="{B1CF8AA8-D6A7-41EF-9E90-0F39E6846CD9}" vid="{374E0768-1711-4036-89AA-A65302BE1F55}"/>
+      <thm15:themeFamily xmlns:thm15="http://schemas.microsoft.com/office/thememl/2012/main" xmlns="" name="PresPrintOnScreen.potx" id="{B1CF8AA8-D6A7-41EF-9E90-0F39E6846CD9}" vid="{374E0768-1711-4036-89AA-A65302BE1F55}"/>
     </a:ext>
   </a:extLst>
 </a:theme>
